--- a/sumit resume.pptx
+++ b/sumit resume.pptx
@@ -244,7 +244,7 @@
           <a:p>
             <a:fld id="{1A6EA31C-886C-4590-A70B-C64FF77CA3AE}" type="datetimeFigureOut">
               <a:rPr lang="en-IN" smtClean="0"/>
-              <a:t>22-09-2019</a:t>
+              <a:t>27-09-2019</a:t>
             </a:fld>
             <a:endParaRPr lang="en-IN"/>
           </a:p>
@@ -414,7 +414,7 @@
           <a:p>
             <a:fld id="{1A6EA31C-886C-4590-A70B-C64FF77CA3AE}" type="datetimeFigureOut">
               <a:rPr lang="en-IN" smtClean="0"/>
-              <a:t>22-09-2019</a:t>
+              <a:t>27-09-2019</a:t>
             </a:fld>
             <a:endParaRPr lang="en-IN"/>
           </a:p>
@@ -594,7 +594,7 @@
           <a:p>
             <a:fld id="{1A6EA31C-886C-4590-A70B-C64FF77CA3AE}" type="datetimeFigureOut">
               <a:rPr lang="en-IN" smtClean="0"/>
-              <a:t>22-09-2019</a:t>
+              <a:t>27-09-2019</a:t>
             </a:fld>
             <a:endParaRPr lang="en-IN"/>
           </a:p>
@@ -764,7 +764,7 @@
           <a:p>
             <a:fld id="{1A6EA31C-886C-4590-A70B-C64FF77CA3AE}" type="datetimeFigureOut">
               <a:rPr lang="en-IN" smtClean="0"/>
-              <a:t>22-09-2019</a:t>
+              <a:t>27-09-2019</a:t>
             </a:fld>
             <a:endParaRPr lang="en-IN"/>
           </a:p>
@@ -1008,7 +1008,7 @@
           <a:p>
             <a:fld id="{1A6EA31C-886C-4590-A70B-C64FF77CA3AE}" type="datetimeFigureOut">
               <a:rPr lang="en-IN" smtClean="0"/>
-              <a:t>22-09-2019</a:t>
+              <a:t>27-09-2019</a:t>
             </a:fld>
             <a:endParaRPr lang="en-IN"/>
           </a:p>
@@ -1240,7 +1240,7 @@
           <a:p>
             <a:fld id="{1A6EA31C-886C-4590-A70B-C64FF77CA3AE}" type="datetimeFigureOut">
               <a:rPr lang="en-IN" smtClean="0"/>
-              <a:t>22-09-2019</a:t>
+              <a:t>27-09-2019</a:t>
             </a:fld>
             <a:endParaRPr lang="en-IN"/>
           </a:p>
@@ -1607,7 +1607,7 @@
           <a:p>
             <a:fld id="{1A6EA31C-886C-4590-A70B-C64FF77CA3AE}" type="datetimeFigureOut">
               <a:rPr lang="en-IN" smtClean="0"/>
-              <a:t>22-09-2019</a:t>
+              <a:t>27-09-2019</a:t>
             </a:fld>
             <a:endParaRPr lang="en-IN"/>
           </a:p>
@@ -1725,7 +1725,7 @@
           <a:p>
             <a:fld id="{1A6EA31C-886C-4590-A70B-C64FF77CA3AE}" type="datetimeFigureOut">
               <a:rPr lang="en-IN" smtClean="0"/>
-              <a:t>22-09-2019</a:t>
+              <a:t>27-09-2019</a:t>
             </a:fld>
             <a:endParaRPr lang="en-IN"/>
           </a:p>
@@ -1820,7 +1820,7 @@
           <a:p>
             <a:fld id="{1A6EA31C-886C-4590-A70B-C64FF77CA3AE}" type="datetimeFigureOut">
               <a:rPr lang="en-IN" smtClean="0"/>
-              <a:t>22-09-2019</a:t>
+              <a:t>27-09-2019</a:t>
             </a:fld>
             <a:endParaRPr lang="en-IN"/>
           </a:p>
@@ -2097,7 +2097,7 @@
           <a:p>
             <a:fld id="{1A6EA31C-886C-4590-A70B-C64FF77CA3AE}" type="datetimeFigureOut">
               <a:rPr lang="en-IN" smtClean="0"/>
-              <a:t>22-09-2019</a:t>
+              <a:t>27-09-2019</a:t>
             </a:fld>
             <a:endParaRPr lang="en-IN"/>
           </a:p>
@@ -2354,7 +2354,7 @@
           <a:p>
             <a:fld id="{1A6EA31C-886C-4590-A70B-C64FF77CA3AE}" type="datetimeFigureOut">
               <a:rPr lang="en-IN" smtClean="0"/>
-              <a:t>22-09-2019</a:t>
+              <a:t>27-09-2019</a:t>
             </a:fld>
             <a:endParaRPr lang="en-IN"/>
           </a:p>
@@ -2567,7 +2567,7 @@
           <a:p>
             <a:fld id="{1A6EA31C-886C-4590-A70B-C64FF77CA3AE}" type="datetimeFigureOut">
               <a:rPr lang="en-IN" smtClean="0"/>
-              <a:t>22-09-2019</a:t>
+              <a:t>27-09-2019</a:t>
             </a:fld>
             <a:endParaRPr lang="en-IN"/>
           </a:p>
@@ -3705,7 +3705,7 @@
                     <a:latin typeface="Times New Roman" panose="02020603050405020304" pitchFamily="18" charset="0"/>
                     <a:cs typeface="Times New Roman" panose="02020603050405020304" pitchFamily="18" charset="0"/>
                   </a:rPr>
-                  <a:t>M. S.                 CGU        Department of Electronic Engineering  2020            82%</a:t>
+                  <a:t>M. S.                 CGU        Department of Electronic Engineering  2020            3.78/4</a:t>
                 </a:r>
               </a:p>
               <a:p>
@@ -5460,7 +5460,7 @@
                 <a:latin typeface="Times New Roman" panose="02020603050405020304" pitchFamily="18" charset="0"/>
                 <a:cs typeface="Times New Roman" panose="02020603050405020304" pitchFamily="18" charset="0"/>
               </a:rPr>
-              <a:t>MATLAB | Python | MS-Office | R (novice)</a:t>
+              <a:t>MATLAB | Python | Machine Learning | Data Analysis | MS-Office | R (novice)</a:t>
             </a:r>
           </a:p>
         </p:txBody>
